--- a/VirtualBox-for-local-development-v1.pptx
+++ b/VirtualBox-for-local-development-v1.pptx
@@ -20360,6 +20360,76 @@
           </a:extLst>
         </p:spPr>
       </p:pic>
+      <p:sp>
+        <p:nvSpPr>
+          <p:cNvPr id="4" name="TextBox 3">
+            <a:extLst>
+              <a:ext uri="{FF2B5EF4-FFF2-40B4-BE49-F238E27FC236}">
+                <a16:creationId xmlns:a16="http://schemas.microsoft.com/office/drawing/2014/main" id="{44A5D3E5-D37C-FDE8-4893-08F3F2C2A9C4}"/>
+              </a:ext>
+            </a:extLst>
+          </p:cNvPr>
+          <p:cNvSpPr txBox="1"/>
+          <p:nvPr/>
+        </p:nvSpPr>
+        <p:spPr>
+          <a:xfrm>
+            <a:off x="5420926" y="6411923"/>
+            <a:ext cx="6680327" cy="530915"/>
+          </a:xfrm>
+          <a:prstGeom prst="rect">
+            <a:avLst/>
+          </a:prstGeom>
+          <a:noFill/>
+        </p:spPr>
+        <p:txBody>
+          <a:bodyPr wrap="square" rtlCol="0">
+            <a:spAutoFit/>
+          </a:bodyPr>
+          <a:lstStyle/>
+          <a:p>
+            <a:pPr algn="r"/>
+            <a:r>
+              <a:rPr lang="en-US" sz="1050" dirty="0">
+                <a:solidFill>
+                  <a:schemeClr val="accent5">
+                    <a:lumMod val="75000"/>
+                  </a:schemeClr>
+                </a:solidFill>
+              </a:rPr>
+              <a:t>credit:     </a:t>
+            </a:r>
+            <a:r>
+              <a:rPr lang="en-US" sz="1050" dirty="0">
+                <a:solidFill>
+                  <a:schemeClr val="accent5">
+                    <a:lumMod val="75000"/>
+                  </a:schemeClr>
+                </a:solidFill>
+                <a:hlinkClick r:id="rId4"/>
+              </a:rPr>
+              <a:t>https://mkaschke.medium.com/virtual-machine-vm-vs-container-13ab51f4c177</a:t>
+            </a:r>
+            <a:endParaRPr lang="en-US" sz="1050" dirty="0">
+              <a:solidFill>
+                <a:schemeClr val="accent5">
+                  <a:lumMod val="75000"/>
+                </a:schemeClr>
+              </a:solidFill>
+            </a:endParaRPr>
+          </a:p>
+          <a:p>
+            <a:pPr algn="r"/>
+            <a:endParaRPr lang="en-US" dirty="0">
+              <a:solidFill>
+                <a:schemeClr val="accent5">
+                  <a:lumMod val="75000"/>
+                </a:schemeClr>
+              </a:solidFill>
+            </a:endParaRPr>
+          </a:p>
+        </p:txBody>
+      </p:sp>
     </p:spTree>
     <p:extLst>
       <p:ext uri="{BB962C8B-B14F-4D97-AF65-F5344CB8AC3E}">

--- a/VirtualBox-for-local-development-v1.pptx
+++ b/VirtualBox-for-local-development-v1.pptx
@@ -18747,10 +18747,10 @@
           <a:prstGeom prst="curvedConnector2">
             <a:avLst/>
           </a:prstGeom>
-          <a:ln>
+          <a:ln w="28575">
             <a:solidFill>
-              <a:schemeClr val="bg1">
-                <a:lumMod val="95000"/>
+              <a:schemeClr val="accent3">
+                <a:lumMod val="75000"/>
               </a:schemeClr>
             </a:solidFill>
             <a:tailEnd type="triangle"/>
@@ -18795,10 +18795,10 @@
           <a:prstGeom prst="curvedConnector2">
             <a:avLst/>
           </a:prstGeom>
-          <a:ln>
+          <a:ln w="28575">
             <a:solidFill>
-              <a:schemeClr val="bg1">
-                <a:lumMod val="95000"/>
+              <a:schemeClr val="accent3">
+                <a:lumMod val="75000"/>
               </a:schemeClr>
             </a:solidFill>
             <a:tailEnd type="triangle"/>
@@ -18844,10 +18844,10 @@
               <a:gd name="adj1" fmla="val 50000"/>
             </a:avLst>
           </a:prstGeom>
-          <a:ln>
+          <a:ln w="28575">
             <a:solidFill>
-              <a:schemeClr val="bg1">
-                <a:lumMod val="95000"/>
+              <a:schemeClr val="accent3">
+                <a:lumMod val="75000"/>
               </a:schemeClr>
             </a:solidFill>
             <a:tailEnd type="triangle"/>
@@ -18891,17 +18891,19 @@
           </a:xfrm>
           <a:prstGeom prst="curvedConnector3">
             <a:avLst>
-              <a:gd name="adj1" fmla="val 50000"/>
+              <a:gd name="adj1" fmla="val 25182"/>
             </a:avLst>
           </a:prstGeom>
-          <a:ln>
+          <a:ln w="28575">
             <a:solidFill>
               <a:schemeClr val="tx1">
                 <a:lumMod val="85000"/>
                 <a:lumOff val="15000"/>
               </a:schemeClr>
             </a:solidFill>
-            <a:tailEnd type="triangle"/>
+            <a:prstDash val="lgDashDotDot"/>
+            <a:headEnd type="none" w="med" len="med"/>
+            <a:tailEnd type="triangle" w="med" len="med"/>
           </a:ln>
         </p:spPr>
         <p:style>
@@ -18945,14 +18947,16 @@
               <a:gd name="adj1" fmla="val 50000"/>
             </a:avLst>
           </a:prstGeom>
-          <a:ln>
+          <a:ln w="28575">
             <a:solidFill>
               <a:schemeClr val="tx1">
                 <a:lumMod val="85000"/>
                 <a:lumOff val="15000"/>
               </a:schemeClr>
             </a:solidFill>
-            <a:tailEnd type="triangle"/>
+            <a:prstDash val="lgDashDotDot"/>
+            <a:headEnd type="none" w="med" len="med"/>
+            <a:tailEnd type="triangle" w="med" len="med"/>
           </a:ln>
         </p:spPr>
         <p:style>
@@ -18993,17 +18997,19 @@
           </a:xfrm>
           <a:prstGeom prst="curvedConnector3">
             <a:avLst>
-              <a:gd name="adj1" fmla="val 50000"/>
+              <a:gd name="adj1" fmla="val 68613"/>
             </a:avLst>
           </a:prstGeom>
-          <a:ln>
+          <a:ln w="28575">
             <a:solidFill>
               <a:schemeClr val="tx1">
                 <a:lumMod val="85000"/>
                 <a:lumOff val="15000"/>
               </a:schemeClr>
             </a:solidFill>
-            <a:tailEnd type="triangle"/>
+            <a:prstDash val="lgDashDotDot"/>
+            <a:headEnd type="none" w="med" len="med"/>
+            <a:tailEnd type="triangle" w="med" len="med"/>
           </a:ln>
         </p:spPr>
         <p:style>
